--- a/CX Presentation.pptx
+++ b/CX Presentation.pptx
@@ -6965,7 +6965,7 @@
       </p:sp>
       <p:pic>
         <p:nvPicPr>
-          <p:cNvPr id="3" name="Picture 2" descr="Screen Clipping"/>
+          <p:cNvPr id="4" name="Picture 3" descr="Screen Clipping"/>
           <p:cNvPicPr>
             <a:picLocks noChangeAspect="1"/>
           </p:cNvPicPr>
@@ -6985,8 +6985,8 @@
         </p:blipFill>
         <p:spPr>
           <a:xfrm>
-            <a:off x="4545350" y="507773"/>
-            <a:ext cx="3101300" cy="5512743"/>
+            <a:off x="4189629" y="207152"/>
+            <a:ext cx="3473914" cy="6188763"/>
           </a:xfrm>
           <a:prstGeom prst="rect">
             <a:avLst/>

--- a/CX Presentation.pptx
+++ b/CX Presentation.pptx
@@ -5,7 +5,7 @@
     <p:sldMasterId id="2147483648" r:id="rId1"/>
   </p:sldMasterIdLst>
   <p:handoutMasterIdLst>
-    <p:handoutMasterId r:id="rId8"/>
+    <p:handoutMasterId r:id="rId9"/>
   </p:handoutMasterIdLst>
   <p:sldIdLst>
     <p:sldId id="256" r:id="rId2"/>
@@ -13,7 +13,8 @@
     <p:sldId id="268" r:id="rId4"/>
     <p:sldId id="269" r:id="rId5"/>
     <p:sldId id="270" r:id="rId6"/>
-    <p:sldId id="272" r:id="rId7"/>
+    <p:sldId id="273" r:id="rId7"/>
+    <p:sldId id="272" r:id="rId8"/>
   </p:sldIdLst>
   <p:sldSz cx="12192000" cy="6858000"/>
   <p:notesSz cx="6858000" cy="9144000"/>
@@ -7826,6 +7827,154 @@
 </file>
 
 <file path=ppt/slides/slide6.xml><?xml version="1.0" encoding="utf-8"?>
+<p:sld xmlns:a="http://schemas.openxmlformats.org/drawingml/2006/main" xmlns:r="http://schemas.openxmlformats.org/officeDocument/2006/relationships" xmlns:p="http://schemas.openxmlformats.org/presentationml/2006/main">
+  <p:cSld>
+    <p:spTree>
+      <p:nvGrpSpPr>
+        <p:cNvPr id="1" name=""/>
+        <p:cNvGrpSpPr/>
+        <p:nvPr/>
+      </p:nvGrpSpPr>
+      <p:grpSpPr>
+        <a:xfrm>
+          <a:off x="0" y="0"/>
+          <a:ext cx="0" cy="0"/>
+          <a:chOff x="0" y="0"/>
+          <a:chExt cx="0" cy="0"/>
+        </a:xfrm>
+      </p:grpSpPr>
+      <p:sp>
+        <p:nvSpPr>
+          <p:cNvPr id="2" name="Title 1"/>
+          <p:cNvSpPr>
+            <a:spLocks noGrp="1"/>
+          </p:cNvSpPr>
+          <p:nvPr>
+            <p:ph type="title"/>
+          </p:nvPr>
+        </p:nvSpPr>
+        <p:spPr/>
+        <p:txBody>
+          <a:bodyPr/>
+          <a:lstStyle/>
+          <a:p>
+            <a:r>
+              <a:rPr lang="en-US" dirty="0" smtClean="0">
+                <a:solidFill>
+                  <a:srgbClr val="05675B"/>
+                </a:solidFill>
+              </a:rPr>
+              <a:t>Future Development</a:t>
+            </a:r>
+            <a:endParaRPr lang="en-US" dirty="0">
+              <a:solidFill>
+                <a:srgbClr val="05675B"/>
+              </a:solidFill>
+            </a:endParaRPr>
+          </a:p>
+        </p:txBody>
+      </p:sp>
+      <p:sp>
+        <p:nvSpPr>
+          <p:cNvPr id="3" name="TextBox 2"/>
+          <p:cNvSpPr txBox="1"/>
+          <p:nvPr/>
+        </p:nvSpPr>
+        <p:spPr>
+          <a:xfrm>
+            <a:off x="899886" y="2010229"/>
+            <a:ext cx="6676315" cy="3785652"/>
+          </a:xfrm>
+          <a:prstGeom prst="rect">
+            <a:avLst/>
+          </a:prstGeom>
+          <a:noFill/>
+        </p:spPr>
+        <p:txBody>
+          <a:bodyPr wrap="none" rtlCol="0">
+            <a:spAutoFit/>
+          </a:bodyPr>
+          <a:lstStyle/>
+          <a:p>
+            <a:pPr marL="285750" indent="-285750">
+              <a:lnSpc>
+                <a:spcPct val="200000"/>
+              </a:lnSpc>
+              <a:buFont typeface="Arial" panose="020B0604020202020204" pitchFamily="34" charset="0"/>
+              <a:buChar char="•"/>
+            </a:pPr>
+            <a:r>
+              <a:rPr lang="en-US" sz="3000" dirty="0" smtClean="0"/>
+              <a:t>Connect to the database (KBQA system)</a:t>
+            </a:r>
+          </a:p>
+          <a:p>
+            <a:pPr marL="285750" indent="-285750">
+              <a:lnSpc>
+                <a:spcPct val="200000"/>
+              </a:lnSpc>
+              <a:buFont typeface="Arial" panose="020B0604020202020204" pitchFamily="34" charset="0"/>
+              <a:buChar char="•"/>
+            </a:pPr>
+            <a:r>
+              <a:rPr lang="en-US" sz="3000" dirty="0" smtClean="0"/>
+              <a:t>In-app payment </a:t>
+            </a:r>
+          </a:p>
+          <a:p>
+            <a:pPr marL="285750" indent="-285750">
+              <a:lnSpc>
+                <a:spcPct val="200000"/>
+              </a:lnSpc>
+              <a:buFont typeface="Arial" panose="020B0604020202020204" pitchFamily="34" charset="0"/>
+              <a:buChar char="•"/>
+            </a:pPr>
+            <a:r>
+              <a:rPr lang="en-US" sz="3000" dirty="0" smtClean="0"/>
+              <a:t>Memorize the history</a:t>
+            </a:r>
+          </a:p>
+          <a:p>
+            <a:pPr marL="285750" indent="-285750">
+              <a:lnSpc>
+                <a:spcPct val="200000"/>
+              </a:lnSpc>
+              <a:buFont typeface="Arial" panose="020B0604020202020204" pitchFamily="34" charset="0"/>
+              <a:buChar char="•"/>
+            </a:pPr>
+            <a:r>
+              <a:rPr lang="en-US" sz="3000" dirty="0" smtClean="0"/>
+              <a:t>Pre-flight </a:t>
+            </a:r>
+            <a:r>
+              <a:rPr lang="en-US" sz="3000" dirty="0" err="1" smtClean="0"/>
+              <a:t>assisstants</a:t>
+            </a:r>
+            <a:endParaRPr lang="en-US" sz="3000" dirty="0"/>
+          </a:p>
+        </p:txBody>
+      </p:sp>
+    </p:spTree>
+    <p:extLst>
+      <p:ext uri="{BB962C8B-B14F-4D97-AF65-F5344CB8AC3E}">
+        <p14:creationId xmlns:p14="http://schemas.microsoft.com/office/powerpoint/2010/main" val="2599056799"/>
+      </p:ext>
+    </p:extLst>
+  </p:cSld>
+  <p:clrMapOvr>
+    <a:masterClrMapping/>
+  </p:clrMapOvr>
+  <p:timing>
+    <p:tnLst>
+      <p:par>
+        <p:cTn id="1" dur="indefinite" restart="never" nodeType="tmRoot"/>
+      </p:par>
+    </p:tnLst>
+  </p:timing>
+</p:sld>
+</file>
+
+<file path=ppt/slides/slide7.xml><?xml version="1.0" encoding="utf-8"?>
 <p:sld xmlns:a="http://schemas.openxmlformats.org/drawingml/2006/main" xmlns:r="http://schemas.openxmlformats.org/officeDocument/2006/relationships" xmlns:p="http://schemas.openxmlformats.org/presentationml/2006/main">
   <p:cSld>
     <p:spTree>

--- a/CX Presentation.pptx
+++ b/CX Presentation.pptx
@@ -7943,12 +7943,8 @@
               <a:buChar char="•"/>
             </a:pPr>
             <a:r>
-              <a:rPr lang="en-US" sz="3000" dirty="0" smtClean="0"/>
-              <a:t>Pre-flight </a:t>
-            </a:r>
-            <a:r>
-              <a:rPr lang="en-US" sz="3000" dirty="0" err="1" smtClean="0"/>
-              <a:t>assisstants</a:t>
+              <a:rPr lang="en-US" sz="3000" smtClean="0"/>
+              <a:t>Pre-flight assistants</a:t>
             </a:r>
             <a:endParaRPr lang="en-US" sz="3000" dirty="0"/>
           </a:p>
